--- a/ProtocolBuffer介绍.pptx
+++ b/ProtocolBuffer介绍.pptx
@@ -12,7 +12,6 @@
     <p:sldId id="261" r:id="rId6"/>
     <p:sldId id="263" r:id="rId7"/>
     <p:sldId id="258" r:id="rId8"/>
-    <p:sldId id="259" r:id="rId9"/>
   </p:sldIdLst>
   <p:sldSz cx="9144000" cy="6858000" type="screen4x3"/>
   <p:notesSz cx="6858000" cy="9144000"/>
@@ -3333,11 +3332,7 @@
             </a:r>
             <a:r>
               <a:rPr lang="zh-CN" altLang="en-US" sz="2000" dirty="0" smtClean="0"/>
-              <a:t>）的支持</a:t>
-            </a:r>
-            <a:r>
-              <a:rPr lang="zh-CN" altLang="en-US" sz="2000" dirty="0" smtClean="0"/>
-              <a:t>。</a:t>
+              <a:t>）的支持。</a:t>
             </a:r>
           </a:p>
           <a:p>
@@ -3406,11 +3401,7 @@
             </a:r>
             <a:r>
               <a:rPr kumimoji="1" lang="zh-CN" altLang="en-US" dirty="0" smtClean="0"/>
-              <a:t>器下载</a:t>
-            </a:r>
-            <a:r>
-              <a:rPr kumimoji="1" lang="zh-CN" altLang="en-US" dirty="0" smtClean="0"/>
-              <a:t>及安装</a:t>
+              <a:t>器下载及安装</a:t>
             </a:r>
             <a:endParaRPr kumimoji="1" lang="zh-CN" altLang="en-US" dirty="0"/>
           </a:p>
@@ -3536,11 +3527,7 @@
             </a:r>
             <a:r>
               <a:rPr kumimoji="1" lang="zh-CN" altLang="en-US" sz="3100" dirty="0" smtClean="0"/>
-              <a:t>文</a:t>
-            </a:r>
-            <a:r>
-              <a:rPr kumimoji="1" lang="zh-CN" altLang="en-US" sz="3100" dirty="0" smtClean="0"/>
-              <a:t>件</a:t>
+              <a:t>文件</a:t>
             </a:r>
             <a:endParaRPr kumimoji="1" lang="zh-CN" altLang="en-US" sz="3100" dirty="0"/>
           </a:p>
@@ -4130,11 +4117,7 @@
             </a:r>
             <a:r>
               <a:rPr lang="en-US" altLang="zh-CN" sz="1400" dirty="0" err="1" smtClean="0"/>
-              <a:t>est</a:t>
-            </a:r>
-            <a:r>
-              <a:rPr lang="en-US" altLang="zh-CN" sz="1400" dirty="0" err="1" smtClean="0"/>
-              <a:t>.proto</a:t>
+              <a:t>est.proto</a:t>
             </a:r>
             <a:endParaRPr lang="zh-CN" altLang="en-US" sz="1400" dirty="0"/>
           </a:p>
@@ -4230,11 +4213,7 @@
             </a:r>
             <a:r>
               <a:rPr lang="en-US" altLang="zh-CN" sz="1400" dirty="0" smtClean="0"/>
-              <a:t> JAVA</a:t>
-            </a:r>
-            <a:r>
-              <a:rPr lang="en-US" altLang="zh-CN" sz="1400" dirty="0" smtClean="0"/>
-              <a:t> </a:t>
+              <a:t> JAVA </a:t>
             </a:r>
             <a:r>
               <a:rPr lang="zh-CN" altLang="en-US" sz="1400" dirty="0" smtClean="0"/>
@@ -4439,7 +4418,6 @@
               <a:rPr lang="x-none" altLang="zh-CN" sz="1400" dirty="0" smtClean="0"/>
               <a:t>Test.pb.cc</a:t>
             </a:r>
-            <a:endParaRPr lang="x-none" altLang="zh-CN" sz="1400" dirty="0" smtClean="0"/>
           </a:p>
         </p:txBody>
       </p:sp>
@@ -4850,16 +4828,82 @@
             </a:r>
             <a:r>
               <a:rPr kumimoji="1" lang="en-US" altLang="zh-CN" sz="2000" dirty="0" smtClean="0"/>
-              <a:t>. https://</a:t>
-            </a:r>
-            <a:r>
-              <a:rPr kumimoji="1" lang="en-US" altLang="zh-CN" sz="2000" dirty="0" err="1" smtClean="0"/>
-              <a:t>blog.csdn.net</a:t>
-            </a:r>
+              <a:t>. </a:t>
+            </a:r>
+            <a:r>
+              <a:rPr kumimoji="1" lang="en-US" altLang="zh-CN" sz="2000" dirty="0" smtClean="0">
+                <a:hlinkClick r:id="rId2"/>
+              </a:rPr>
+              <a:t>https://blog.csdn.net/xiaofei0859/article/details/</a:t>
+            </a:r>
+            <a:r>
+              <a:rPr kumimoji="1" lang="en-US" altLang="zh-CN" sz="2000" dirty="0" smtClean="0">
+                <a:hlinkClick r:id="rId2"/>
+              </a:rPr>
+              <a:t>53169687</a:t>
+            </a:r>
+            <a:endParaRPr kumimoji="1" lang="en-US" altLang="zh-CN" sz="2000" dirty="0" smtClean="0"/>
+          </a:p>
+          <a:p>
             <a:r>
               <a:rPr kumimoji="1" lang="en-US" altLang="zh-CN" sz="2000" dirty="0" smtClean="0"/>
-              <a:t>/xiaofei0859/article/details/53169687</a:t>
-            </a:r>
+              <a:t>2.</a:t>
+            </a:r>
+            <a:r>
+              <a:rPr kumimoji="1" lang="en-US" altLang="zh-CN" sz="2000" dirty="0">
+                <a:hlinkClick r:id="rId3"/>
+              </a:rPr>
+              <a:t> </a:t>
+            </a:r>
+            <a:r>
+              <a:rPr kumimoji="1" lang="en-US" altLang="zh-CN" sz="2000" dirty="0">
+                <a:hlinkClick r:id="rId3"/>
+              </a:rPr>
+              <a:t>https://github.com/google/protobuf/</a:t>
+            </a:r>
+            <a:r>
+              <a:rPr kumimoji="1" lang="en-US" altLang="zh-CN" sz="2000" dirty="0" smtClean="0">
+                <a:hlinkClick r:id="rId3"/>
+              </a:rPr>
+              <a:t>releases</a:t>
+            </a:r>
+            <a:endParaRPr kumimoji="1" lang="en-US" altLang="zh-CN" sz="2000" dirty="0" smtClean="0"/>
+          </a:p>
+          <a:p>
+            <a:r>
+              <a:rPr kumimoji="1" lang="en-US" altLang="zh-CN" sz="2000" dirty="0" smtClean="0"/>
+              <a:t>3.https</a:t>
+            </a:r>
+            <a:r>
+              <a:rPr kumimoji="1" lang="en-US" altLang="zh-CN" sz="2000" dirty="0"/>
+              <a:t>://</a:t>
+            </a:r>
+            <a:r>
+              <a:rPr kumimoji="1" lang="en-US" altLang="zh-CN" sz="2000" dirty="0" err="1"/>
+              <a:t>www.cnblogs.com</a:t>
+            </a:r>
+            <a:r>
+              <a:rPr kumimoji="1" lang="en-US" altLang="zh-CN" sz="2000" dirty="0"/>
+              <a:t>/</a:t>
+            </a:r>
+            <a:r>
+              <a:rPr kumimoji="1" lang="en-US" altLang="zh-CN" sz="2000" dirty="0" err="1"/>
+              <a:t>tandaxia</a:t>
+            </a:r>
+            <a:r>
+              <a:rPr kumimoji="1" lang="en-US" altLang="zh-CN" sz="2000" dirty="0"/>
+              <a:t>/p/6181534.</a:t>
+            </a:r>
+            <a:r>
+              <a:rPr kumimoji="1" lang="en-US" altLang="zh-CN" sz="2000" dirty="0" smtClean="0"/>
+              <a:t>html</a:t>
+            </a:r>
+            <a:endParaRPr kumimoji="1" lang="zh-CN" altLang="en-US" sz="2000" dirty="0" smtClean="0"/>
+          </a:p>
+          <a:p>
+            <a:endParaRPr kumimoji="1" lang="en-US" altLang="zh-CN" sz="2000" dirty="0"/>
+          </a:p>
+          <a:p>
             <a:endParaRPr kumimoji="1" lang="zh-CN" altLang="en-US" sz="2000" dirty="0"/>
           </a:p>
         </p:txBody>
@@ -4868,108 +4912,6 @@
     <p:extLst>
       <p:ext uri="{BB962C8B-B14F-4D97-AF65-F5344CB8AC3E}">
         <p14:creationId xmlns:p14="http://schemas.microsoft.com/office/powerpoint/2010/main" val="3762896809"/>
-      </p:ext>
-    </p:extLst>
-  </p:cSld>
-  <p:clrMapOvr>
-    <a:masterClrMapping/>
-  </p:clrMapOvr>
-</p:sld>
-</file>
-
-<file path=ppt/slides/slide8.xml><?xml version="1.0" encoding="utf-8"?>
-<p:sld xmlns:a="http://schemas.openxmlformats.org/drawingml/2006/main" xmlns:r="http://schemas.openxmlformats.org/officeDocument/2006/relationships" xmlns:p="http://schemas.openxmlformats.org/presentationml/2006/main">
-  <p:cSld>
-    <p:spTree>
-      <p:nvGrpSpPr>
-        <p:cNvPr id="1" name=""/>
-        <p:cNvGrpSpPr/>
-        <p:nvPr/>
-      </p:nvGrpSpPr>
-      <p:grpSpPr>
-        <a:xfrm>
-          <a:off x="0" y="0"/>
-          <a:ext cx="0" cy="0"/>
-          <a:chOff x="0" y="0"/>
-          <a:chExt cx="0" cy="0"/>
-        </a:xfrm>
-      </p:grpSpPr>
-      <p:sp>
-        <p:nvSpPr>
-          <p:cNvPr id="2" name="标题 1"/>
-          <p:cNvSpPr>
-            <a:spLocks noGrp="1"/>
-          </p:cNvSpPr>
-          <p:nvPr>
-            <p:ph type="title"/>
-          </p:nvPr>
-        </p:nvSpPr>
-        <p:spPr/>
-        <p:txBody>
-          <a:bodyPr/>
-          <a:lstStyle/>
-          <a:p>
-            <a:r>
-              <a:rPr kumimoji="1" lang="en-US" altLang="zh-CN" dirty="0" smtClean="0"/>
-              <a:t>DEMO</a:t>
-            </a:r>
-            <a:endParaRPr kumimoji="1" lang="zh-CN" altLang="en-US" dirty="0"/>
-          </a:p>
-        </p:txBody>
-      </p:sp>
-      <p:sp>
-        <p:nvSpPr>
-          <p:cNvPr id="3" name="内容占位符 2"/>
-          <p:cNvSpPr>
-            <a:spLocks noGrp="1"/>
-          </p:cNvSpPr>
-          <p:nvPr>
-            <p:ph idx="1"/>
-          </p:nvPr>
-        </p:nvSpPr>
-        <p:spPr/>
-        <p:txBody>
-          <a:bodyPr>
-            <a:normAutofit/>
-          </a:bodyPr>
-          <a:lstStyle/>
-          <a:p>
-            <a:r>
-              <a:rPr kumimoji="1" lang="en-US" altLang="zh-CN" sz="2000" dirty="0" smtClean="0"/>
-              <a:t>1. </a:t>
-            </a:r>
-            <a:r>
-              <a:rPr kumimoji="1" lang="en-US" altLang="zh-CN" sz="2000" dirty="0" err="1" smtClean="0"/>
-              <a:t>iOS:https</a:t>
-            </a:r>
-            <a:r>
-              <a:rPr kumimoji="1" lang="en-US" altLang="zh-CN" sz="2000" dirty="0" smtClean="0"/>
-              <a:t>://</a:t>
-            </a:r>
-            <a:r>
-              <a:rPr kumimoji="1" lang="en-US" altLang="zh-CN" sz="2000" dirty="0" err="1" smtClean="0"/>
-              <a:t>www.cnblogs.com</a:t>
-            </a:r>
-            <a:r>
-              <a:rPr kumimoji="1" lang="en-US" altLang="zh-CN" sz="2000" dirty="0" smtClean="0"/>
-              <a:t>/</a:t>
-            </a:r>
-            <a:r>
-              <a:rPr kumimoji="1" lang="en-US" altLang="zh-CN" sz="2000" dirty="0" err="1" smtClean="0"/>
-              <a:t>tandaxia</a:t>
-            </a:r>
-            <a:r>
-              <a:rPr kumimoji="1" lang="en-US" altLang="zh-CN" sz="2000" dirty="0" smtClean="0"/>
-              <a:t>/p/6181534.html</a:t>
-            </a:r>
-            <a:endParaRPr kumimoji="1" lang="zh-CN" altLang="en-US" sz="2000" dirty="0"/>
-          </a:p>
-        </p:txBody>
-      </p:sp>
-    </p:spTree>
-    <p:extLst>
-      <p:ext uri="{BB962C8B-B14F-4D97-AF65-F5344CB8AC3E}">
-        <p14:creationId xmlns:p14="http://schemas.microsoft.com/office/powerpoint/2010/main" val="476146044"/>
       </p:ext>
     </p:extLst>
   </p:cSld>

--- a/ProtocolBuffer介绍.pptx
+++ b/ProtocolBuffer介绍.pptx
@@ -4756,14 +4756,131 @@
         </p:blipFill>
         <p:spPr>
           <a:xfrm>
-            <a:off x="1865262" y="1269908"/>
-            <a:ext cx="4980646" cy="5588092"/>
+            <a:off x="1865262" y="2609264"/>
+            <a:ext cx="4415115" cy="4248736"/>
           </a:xfrm>
           <a:prstGeom prst="rect">
             <a:avLst/>
           </a:prstGeom>
         </p:spPr>
       </p:pic>
+      <p:sp>
+        <p:nvSpPr>
+          <p:cNvPr id="3" name="文本框 2"/>
+          <p:cNvSpPr txBox="1"/>
+          <p:nvPr/>
+        </p:nvSpPr>
+        <p:spPr>
+          <a:xfrm>
+            <a:off x="545688" y="1417638"/>
+            <a:ext cx="8225012" cy="954107"/>
+          </a:xfrm>
+          <a:prstGeom prst="rect">
+            <a:avLst/>
+          </a:prstGeom>
+          <a:noFill/>
+        </p:spPr>
+        <p:txBody>
+          <a:bodyPr wrap="square" rtlCol="0">
+            <a:spAutoFit/>
+          </a:bodyPr>
+          <a:lstStyle/>
+          <a:p>
+            <a:r>
+              <a:rPr kumimoji="1" lang="en-US" altLang="zh-CN" sz="1400" dirty="0"/>
+              <a:t>1. Person</a:t>
+            </a:r>
+            <a:r>
+              <a:rPr kumimoji="1" lang="zh-CN" altLang="en-US" sz="1400" dirty="0"/>
+              <a:t>类为</a:t>
+            </a:r>
+            <a:r>
+              <a:rPr kumimoji="1" lang="en-US" altLang="zh-CN" sz="1400" dirty="0" err="1"/>
+              <a:t>protobuf</a:t>
+            </a:r>
+            <a:r>
+              <a:rPr kumimoji="1" lang="en-US" altLang="zh-CN" sz="1400" dirty="0"/>
+              <a:t> </a:t>
+            </a:r>
+            <a:r>
+              <a:rPr kumimoji="1" lang="zh-CN" altLang="en-US" sz="1400" dirty="0"/>
+              <a:t>源文件</a:t>
+            </a:r>
+            <a:r>
+              <a:rPr kumimoji="1" lang="en-US" altLang="zh-CN" sz="1400" dirty="0" err="1"/>
+              <a:t>Test.proto</a:t>
+            </a:r>
+            <a:r>
+              <a:rPr kumimoji="1" lang="zh-CN" altLang="en-US" sz="1400" dirty="0"/>
+              <a:t>定义的数据类，两者间的字段名及字段类型是相互配置的</a:t>
+            </a:r>
+          </a:p>
+          <a:p>
+            <a:r>
+              <a:rPr kumimoji="1" lang="en-US" altLang="zh-CN" sz="1400" dirty="0"/>
+              <a:t>2. Person</a:t>
+            </a:r>
+            <a:r>
+              <a:rPr kumimoji="1" lang="zh-CN" altLang="en-US" sz="1400" dirty="0"/>
+              <a:t>类继承于</a:t>
+            </a:r>
+            <a:r>
+              <a:rPr kumimoji="1" lang="en-US" altLang="zh-CN" sz="1400" dirty="0" err="1"/>
+              <a:t>protobuf</a:t>
+            </a:r>
+            <a:r>
+              <a:rPr kumimoji="1" lang="zh-CN" altLang="en-US" sz="1400" dirty="0"/>
+              <a:t>框架中的 </a:t>
+            </a:r>
+            <a:r>
+              <a:rPr kumimoji="1" lang="en-US" altLang="zh-CN" sz="1400" dirty="0" err="1"/>
+              <a:t>GPBMessage</a:t>
+            </a:r>
+            <a:r>
+              <a:rPr kumimoji="1" lang="zh-CN" altLang="en-US" sz="1400" dirty="0"/>
+              <a:t>类，</a:t>
+            </a:r>
+            <a:r>
+              <a:rPr kumimoji="1" lang="en-US" altLang="zh-CN" sz="1400" dirty="0" err="1"/>
+              <a:t>GPBMessage</a:t>
+            </a:r>
+            <a:r>
+              <a:rPr kumimoji="1" lang="zh-CN" altLang="en-US" sz="1400" dirty="0"/>
+              <a:t>类提供数据序列化函数</a:t>
+            </a:r>
+            <a:r>
+              <a:rPr kumimoji="1" lang="en-US" altLang="zh-CN" sz="1400" dirty="0"/>
+              <a:t>(data)</a:t>
+            </a:r>
+            <a:r>
+              <a:rPr kumimoji="1" lang="zh-CN" altLang="en-US" sz="1400" dirty="0"/>
+              <a:t>及反序列化函数</a:t>
+            </a:r>
+            <a:r>
+              <a:rPr kumimoji="1" lang="en-US" altLang="zh-CN" sz="1400" dirty="0"/>
+              <a:t>(</a:t>
+            </a:r>
+            <a:r>
+              <a:rPr kumimoji="1" lang="en-US" altLang="zh-CN" sz="1400" dirty="0" err="1"/>
+              <a:t>initWithData</a:t>
+            </a:r>
+            <a:r>
+              <a:rPr kumimoji="1" lang="en-US" altLang="zh-CN" sz="1400" dirty="0"/>
+              <a:t>)</a:t>
+            </a:r>
+          </a:p>
+          <a:p>
+            <a:r>
+              <a:rPr kumimoji="1" lang="en-US" altLang="zh-CN" sz="1400" dirty="0"/>
+              <a:t>3. </a:t>
+            </a:r>
+            <a:r>
+              <a:rPr kumimoji="1" lang="zh-CN" altLang="en-US" sz="1400" dirty="0"/>
+              <a:t>不同语言间的数据序列化函数及反序列化函数的函数名有所差异。</a:t>
+            </a:r>
+          </a:p>
+        </p:txBody>
+      </p:sp>
     </p:spTree>
     <p:extLst>
       <p:ext uri="{BB962C8B-B14F-4D97-AF65-F5344CB8AC3E}">
